--- a/Avocado-Machine-Learning-Project/Avocado Machine Learning Project.pptx
+++ b/Avocado-Machine-Learning-Project/Avocado Machine Learning Project.pptx
@@ -3538,7 +3538,7 @@
           <a:p>
             <a:fld id="{FA1F8F58-3262-4466-8DB1-B329F63F404F}" type="datetimeFigureOut">
               <a:rPr lang="en-US" smtClean="0"/>
-              <a:t>12/17/2020</a:t>
+              <a:t>12/19/2020</a:t>
             </a:fld>
             <a:endParaRPr lang="en-US" dirty="0"/>
           </a:p>
@@ -3715,7 +3715,7 @@
           <a:p>
             <a:fld id="{3CBCF71C-E8D2-4E49-B04C-B160BC17D861}" type="datetimeFigureOut">
               <a:rPr lang="en-US" smtClean="0"/>
-              <a:t>12/17/2020</a:t>
+              <a:t>12/19/2020</a:t>
             </a:fld>
             <a:endParaRPr lang="en-US" dirty="0"/>
           </a:p>
@@ -5645,7 +5645,7 @@
           <a:p>
             <a:fld id="{D52FBA0E-30B6-4E8A-8BAB-F4E79D0E117B}" type="datetime1">
               <a:rPr lang="en-US" smtClean="0"/>
-              <a:t>12/17/2020</a:t>
+              <a:t>12/19/2020</a:t>
             </a:fld>
             <a:endParaRPr lang="en-US" dirty="0"/>
           </a:p>
@@ -5829,7 +5829,7 @@
           <a:p>
             <a:fld id="{FC5C6360-F7E4-4BF2-A1BF-F221239F6B57}" type="datetime1">
               <a:rPr lang="en-US" smtClean="0"/>
-              <a:t>12/17/2020</a:t>
+              <a:t>12/19/2020</a:t>
             </a:fld>
             <a:endParaRPr lang="en-US" dirty="0"/>
           </a:p>
@@ -6013,7 +6013,7 @@
           <a:p>
             <a:fld id="{4870159D-56C0-4429-A572-BC50CAF98E39}" type="datetime1">
               <a:rPr lang="en-US" smtClean="0"/>
-              <a:t>12/17/2020</a:t>
+              <a:t>12/19/2020</a:t>
             </a:fld>
             <a:endParaRPr lang="en-US" dirty="0"/>
           </a:p>
@@ -6187,7 +6187,7 @@
           <a:p>
             <a:fld id="{68015037-FAE8-45E7-AB4E-9C8380413317}" type="datetime1">
               <a:rPr lang="en-US" smtClean="0"/>
-              <a:t>12/17/2020</a:t>
+              <a:t>12/19/2020</a:t>
             </a:fld>
             <a:endParaRPr lang="en-US" dirty="0"/>
           </a:p>
@@ -6504,7 +6504,7 @@
           <a:p>
             <a:fld id="{1D75EFA0-092C-46C1-9E06-76C83BC55686}" type="datetime1">
               <a:rPr lang="en-US" smtClean="0"/>
-              <a:t>12/17/2020</a:t>
+              <a:t>12/19/2020</a:t>
             </a:fld>
             <a:endParaRPr lang="en-US" dirty="0"/>
           </a:p>
@@ -6895,7 +6895,7 @@
           <a:p>
             <a:fld id="{668C87EA-B313-4E30-B463-3C8F6B01416B}" type="datetime1">
               <a:rPr lang="en-US" smtClean="0"/>
-              <a:t>12/17/2020</a:t>
+              <a:t>12/19/2020</a:t>
             </a:fld>
             <a:endParaRPr lang="en-US" dirty="0"/>
           </a:p>
@@ -7333,7 +7333,7 @@
           <a:p>
             <a:fld id="{0D62C3D3-399C-4350-A4AE-E6476DB356BF}" type="datetime1">
               <a:rPr lang="en-US" smtClean="0"/>
-              <a:t>12/17/2020</a:t>
+              <a:t>12/19/2020</a:t>
             </a:fld>
             <a:endParaRPr lang="en-US" dirty="0"/>
           </a:p>
@@ -7455,7 +7455,7 @@
           <a:p>
             <a:fld id="{2B39F40E-D3E5-4C8F-BD9F-C8FFA6F6BEC3}" type="datetime1">
               <a:rPr lang="en-US" smtClean="0"/>
-              <a:t>12/17/2020</a:t>
+              <a:t>12/19/2020</a:t>
             </a:fld>
             <a:endParaRPr lang="en-US" dirty="0"/>
           </a:p>
@@ -7554,7 +7554,7 @@
           <a:p>
             <a:fld id="{0DD4EEAE-B0D6-4EB4-B57D-B6501FFD675D}" type="datetime1">
               <a:rPr lang="en-US" smtClean="0"/>
-              <a:t>12/17/2020</a:t>
+              <a:t>12/19/2020</a:t>
             </a:fld>
             <a:endParaRPr lang="en-US" dirty="0"/>
           </a:p>
@@ -7908,7 +7908,7 @@
           <a:p>
             <a:fld id="{9F2481D4-1CAC-43CB-A10A-59F9B9D0BFA9}" type="datetime1">
               <a:rPr lang="en-US" smtClean="0"/>
-              <a:t>12/17/2020</a:t>
+              <a:t>12/19/2020</a:t>
             </a:fld>
             <a:endParaRPr lang="en-US" dirty="0"/>
           </a:p>
@@ -8337,7 +8337,7 @@
           <a:p>
             <a:fld id="{8F6A1D41-175F-4408-8B8F-09FC2C486404}" type="datetime1">
               <a:rPr lang="en-US" smtClean="0"/>
-              <a:t>12/17/2020</a:t>
+              <a:t>12/19/2020</a:t>
             </a:fld>
             <a:endParaRPr lang="en-US" dirty="0"/>
           </a:p>
@@ -8618,7 +8618,7 @@
           <a:p>
             <a:fld id="{B9F7F072-847C-4D4C-96D8-D08CBD9864DE}" type="datetime1">
               <a:rPr lang="en-US" smtClean="0"/>
-              <a:t>12/17/2020</a:t>
+              <a:t>12/19/2020</a:t>
             </a:fld>
             <a:endParaRPr lang="en-US" dirty="0"/>
           </a:p>
@@ -20519,9 +20519,42 @@
         </p:spPr>
         <p:txBody>
           <a:bodyPr anchor="ctr">
-            <a:normAutofit/>
+            <a:normAutofit fontScale="85000" lnSpcReduction="10000"/>
           </a:bodyPr>
           <a:lstStyle/>
+          <a:p>
+            <a:endParaRPr lang="en-US" dirty="0"/>
+          </a:p>
+          <a:p>
+            <a:r>
+              <a:rPr lang="en-US" dirty="0"/>
+              <a:t>Average Price is normally distributed.</a:t>
+            </a:r>
+          </a:p>
+          <a:p>
+            <a:r>
+              <a:rPr lang="en-US" dirty="0"/>
+              <a:t>Small / medium sized avocados in small sized bags are preferred</a:t>
+            </a:r>
+          </a:p>
+          <a:p>
+            <a:r>
+              <a:rPr lang="en-US" dirty="0"/>
+              <a:t>Small sized bags are more preferred</a:t>
+            </a:r>
+          </a:p>
+          <a:p>
+            <a:r>
+              <a:rPr lang="en-US" dirty="0"/>
+              <a:t>Annual variation in price peaking in Sept – Oct</a:t>
+            </a:r>
+          </a:p>
+          <a:p>
+            <a:r>
+              <a:rPr lang="en-US" dirty="0"/>
+              <a:t>Conventionally farmed option preferred, probably because of the price.</a:t>
+            </a:r>
+          </a:p>
           <a:p>
             <a:r>
               <a:rPr lang="en-US" dirty="0"/>
@@ -20529,16 +20562,10 @@
             </a:r>
           </a:p>
           <a:p>
-            <a:endParaRPr lang="en-US" dirty="0"/>
-          </a:p>
-          <a:p>
             <a:r>
               <a:rPr lang="en-US" dirty="0"/>
               <a:t>Even in Mean Absolute Error, Mean Square Error Evaluation Metrics, Random Forest has the least Error Score. </a:t>
             </a:r>
-          </a:p>
-          <a:p>
-            <a:endParaRPr lang="en-US" dirty="0"/>
           </a:p>
           <a:p>
             <a:r>
@@ -20976,7 +21003,7 @@
         </p:nvSpPr>
         <p:spPr>
           <a:xfrm>
-            <a:off x="1051560" y="6500225"/>
+            <a:off x="428708" y="6506885"/>
             <a:ext cx="7395495" cy="261610"/>
           </a:xfrm>
           <a:prstGeom prst="rect">
@@ -28829,6 +28856,15 @@
 </file>
 
 <file path=customXml/item1.xml><?xml version="1.0" encoding="utf-8"?>
+<p:properties xmlns:p="http://schemas.microsoft.com/office/2006/metadata/properties" xmlns:xsi="http://www.w3.org/2001/XMLSchema-instance" xmlns:pc="http://schemas.microsoft.com/office/infopath/2007/PartnerControls">
+  <documentManagement>
+    <Status xmlns="71af3243-3dd4-4a8d-8c0d-dd76da1f02a5">Not started</Status>
+    <MediaServiceKeyPoints xmlns="71af3243-3dd4-4a8d-8c0d-dd76da1f02a5" xsi:nil="true"/>
+  </documentManagement>
+</p:properties>
+</file>
+
+<file path=customXml/item2.xml><?xml version="1.0" encoding="utf-8"?>
 <ct:contentTypeSchema xmlns:ct="http://schemas.microsoft.com/office/2006/metadata/contentType" xmlns:ma="http://schemas.microsoft.com/office/2006/metadata/properties/metaAttributes" ct:_="" ma:_="" ma:contentTypeName="Document" ma:contentTypeID="0x01010079F111ED35F8CC479449609E8A0923A6" ma:contentTypeVersion="12" ma:contentTypeDescription="Create a new document." ma:contentTypeScope="" ma:versionID="93813dd7ca6ad654711aa0ab317e03a3">
   <xsd:schema xmlns:xsd="http://www.w3.org/2001/XMLSchema" xmlns:xs="http://www.w3.org/2001/XMLSchema" xmlns:p="http://schemas.microsoft.com/office/2006/metadata/properties" xmlns:ns2="71af3243-3dd4-4a8d-8c0d-dd76da1f02a5" xmlns:ns3="16c05727-aa75-4e4a-9b5f-8a80a1165891" targetNamespace="http://schemas.microsoft.com/office/2006/metadata/properties" ma:root="true" ma:fieldsID="f11dc0ce689dd3925e84e4e35398c6e7" ns2:_="" ns3:_="">
     <xsd:import namespace="71af3243-3dd4-4a8d-8c0d-dd76da1f02a5"/>
@@ -29049,15 +29085,6 @@
 </ct:contentTypeSchema>
 </file>
 
-<file path=customXml/item2.xml><?xml version="1.0" encoding="utf-8"?>
-<p:properties xmlns:p="http://schemas.microsoft.com/office/2006/metadata/properties" xmlns:xsi="http://www.w3.org/2001/XMLSchema-instance" xmlns:pc="http://schemas.microsoft.com/office/infopath/2007/PartnerControls">
-  <documentManagement>
-    <Status xmlns="71af3243-3dd4-4a8d-8c0d-dd76da1f02a5">Not started</Status>
-    <MediaServiceKeyPoints xmlns="71af3243-3dd4-4a8d-8c0d-dd76da1f02a5" xsi:nil="true"/>
-  </documentManagement>
-</p:properties>
-</file>
-
 <file path=customXml/item3.xml><?xml version="1.0" encoding="utf-8"?>
 <?mso-contentType ?>
 <FormTemplates xmlns="http://schemas.microsoft.com/sharepoint/v3/contenttype/forms">
@@ -29068,6 +29095,16 @@
 </file>
 
 <file path=customXml/itemProps1.xml><?xml version="1.0" encoding="utf-8"?>
+<ds:datastoreItem xmlns:ds="http://schemas.openxmlformats.org/officeDocument/2006/customXml" ds:itemID="{6D45F22A-22AD-4AB5-B4E5-D6E61E43E45F}">
+  <ds:schemaRefs>
+    <ds:schemaRef ds:uri="http://schemas.microsoft.com/office/2006/metadata/properties"/>
+    <ds:schemaRef ds:uri="http://schemas.microsoft.com/office/infopath/2007/PartnerControls"/>
+    <ds:schemaRef ds:uri="71af3243-3dd4-4a8d-8c0d-dd76da1f02a5"/>
+  </ds:schemaRefs>
+</ds:datastoreItem>
+</file>
+
+<file path=customXml/itemProps2.xml><?xml version="1.0" encoding="utf-8"?>
 <ds:datastoreItem xmlns:ds="http://schemas.openxmlformats.org/officeDocument/2006/customXml" ds:itemID="{480957EC-86C0-4415-A208-C533BB28CB01}">
   <ds:schemaRefs>
     <ds:schemaRef ds:uri="http://schemas.microsoft.com/office/2006/metadata/contentType"/>
@@ -29086,16 +29123,6 @@
 </ds:datastoreItem>
 </file>
 
-<file path=customXml/itemProps2.xml><?xml version="1.0" encoding="utf-8"?>
-<ds:datastoreItem xmlns:ds="http://schemas.openxmlformats.org/officeDocument/2006/customXml" ds:itemID="{6D45F22A-22AD-4AB5-B4E5-D6E61E43E45F}">
-  <ds:schemaRefs>
-    <ds:schemaRef ds:uri="http://schemas.microsoft.com/office/2006/metadata/properties"/>
-    <ds:schemaRef ds:uri="http://schemas.microsoft.com/office/infopath/2007/PartnerControls"/>
-    <ds:schemaRef ds:uri="71af3243-3dd4-4a8d-8c0d-dd76da1f02a5"/>
-  </ds:schemaRefs>
-</ds:datastoreItem>
-</file>
-
 <file path=customXml/itemProps3.xml><?xml version="1.0" encoding="utf-8"?>
 <ds:datastoreItem xmlns:ds="http://schemas.openxmlformats.org/officeDocument/2006/customXml" ds:itemID="{4EE1C908-B3CC-430B-8659-0948FA2BA0C9}">
   <ds:schemaRefs>
